--- a/AbuDesign.pptx
+++ b/AbuDesign.pptx
@@ -288,7 +288,7 @@
           <a:p>
             <a:fld id="{FAE12EE8-FCA7-42FC-B63B-BE3630188ABF}" type="datetimeFigureOut">
               <a:rPr lang="zh-CN" altLang="en-US" smtClean="0"/>
-              <a:t>2019年07月22日</a:t>
+              <a:t>2019年08月10日</a:t>
             </a:fld>
             <a:endParaRPr lang="zh-CN" altLang="en-US"/>
           </a:p>
@@ -458,7 +458,7 @@
           <a:p>
             <a:fld id="{FAE12EE8-FCA7-42FC-B63B-BE3630188ABF}" type="datetimeFigureOut">
               <a:rPr lang="zh-CN" altLang="en-US" smtClean="0"/>
-              <a:t>2019年07月22日</a:t>
+              <a:t>2019年08月10日</a:t>
             </a:fld>
             <a:endParaRPr lang="zh-CN" altLang="en-US"/>
           </a:p>
@@ -638,7 +638,7 @@
           <a:p>
             <a:fld id="{FAE12EE8-FCA7-42FC-B63B-BE3630188ABF}" type="datetimeFigureOut">
               <a:rPr lang="zh-CN" altLang="en-US" smtClean="0"/>
-              <a:t>2019年07月22日</a:t>
+              <a:t>2019年08月10日</a:t>
             </a:fld>
             <a:endParaRPr lang="zh-CN" altLang="en-US"/>
           </a:p>
@@ -808,7 +808,7 @@
           <a:p>
             <a:fld id="{FAE12EE8-FCA7-42FC-B63B-BE3630188ABF}" type="datetimeFigureOut">
               <a:rPr lang="zh-CN" altLang="en-US" smtClean="0"/>
-              <a:t>2019年07月22日</a:t>
+              <a:t>2019年08月10日</a:t>
             </a:fld>
             <a:endParaRPr lang="zh-CN" altLang="en-US"/>
           </a:p>
@@ -1054,7 +1054,7 @@
           <a:p>
             <a:fld id="{FAE12EE8-FCA7-42FC-B63B-BE3630188ABF}" type="datetimeFigureOut">
               <a:rPr lang="zh-CN" altLang="en-US" smtClean="0"/>
-              <a:t>2019年07月22日</a:t>
+              <a:t>2019年08月10日</a:t>
             </a:fld>
             <a:endParaRPr lang="zh-CN" altLang="en-US"/>
           </a:p>
@@ -1342,7 +1342,7 @@
           <a:p>
             <a:fld id="{FAE12EE8-FCA7-42FC-B63B-BE3630188ABF}" type="datetimeFigureOut">
               <a:rPr lang="zh-CN" altLang="en-US" smtClean="0"/>
-              <a:t>2019年07月22日</a:t>
+              <a:t>2019年08月10日</a:t>
             </a:fld>
             <a:endParaRPr lang="zh-CN" altLang="en-US"/>
           </a:p>
@@ -1764,7 +1764,7 @@
           <a:p>
             <a:fld id="{FAE12EE8-FCA7-42FC-B63B-BE3630188ABF}" type="datetimeFigureOut">
               <a:rPr lang="zh-CN" altLang="en-US" smtClean="0"/>
-              <a:t>2019年07月22日</a:t>
+              <a:t>2019年08月10日</a:t>
             </a:fld>
             <a:endParaRPr lang="zh-CN" altLang="en-US"/>
           </a:p>
@@ -1882,7 +1882,7 @@
           <a:p>
             <a:fld id="{FAE12EE8-FCA7-42FC-B63B-BE3630188ABF}" type="datetimeFigureOut">
               <a:rPr lang="zh-CN" altLang="en-US" smtClean="0"/>
-              <a:t>2019年07月22日</a:t>
+              <a:t>2019年08月10日</a:t>
             </a:fld>
             <a:endParaRPr lang="zh-CN" altLang="en-US"/>
           </a:p>
@@ -1977,7 +1977,7 @@
           <a:p>
             <a:fld id="{FAE12EE8-FCA7-42FC-B63B-BE3630188ABF}" type="datetimeFigureOut">
               <a:rPr lang="zh-CN" altLang="en-US" smtClean="0"/>
-              <a:t>2019年07月22日</a:t>
+              <a:t>2019年08月10日</a:t>
             </a:fld>
             <a:endParaRPr lang="zh-CN" altLang="en-US"/>
           </a:p>
@@ -2254,7 +2254,7 @@
           <a:p>
             <a:fld id="{FAE12EE8-FCA7-42FC-B63B-BE3630188ABF}" type="datetimeFigureOut">
               <a:rPr lang="zh-CN" altLang="en-US" smtClean="0"/>
-              <a:t>2019年07月22日</a:t>
+              <a:t>2019年08月10日</a:t>
             </a:fld>
             <a:endParaRPr lang="zh-CN" altLang="en-US"/>
           </a:p>
@@ -2507,7 +2507,7 @@
           <a:p>
             <a:fld id="{FAE12EE8-FCA7-42FC-B63B-BE3630188ABF}" type="datetimeFigureOut">
               <a:rPr lang="zh-CN" altLang="en-US" smtClean="0"/>
-              <a:t>2019年07月22日</a:t>
+              <a:t>2019年08月10日</a:t>
             </a:fld>
             <a:endParaRPr lang="zh-CN" altLang="en-US"/>
           </a:p>
@@ -2720,7 +2720,7 @@
           <a:p>
             <a:fld id="{FAE12EE8-FCA7-42FC-B63B-BE3630188ABF}" type="datetimeFigureOut">
               <a:rPr lang="zh-CN" altLang="en-US" smtClean="0"/>
-              <a:t>2019年07月22日</a:t>
+              <a:t>2019年08月10日</a:t>
             </a:fld>
             <a:endParaRPr lang="zh-CN" altLang="en-US"/>
           </a:p>
@@ -3257,12 +3257,12 @@
               <a:t>凝</a:t>
             </a:r>
             <a:r>
-              <a:rPr lang="en-US" altLang="zh-CN" sz="4800" dirty="0" smtClean="0">
+              <a:rPr lang="en-US" altLang="zh-CN" sz="4800" dirty="0">
                 <a:solidFill>
                   <a:srgbClr val="00B0F0"/>
                 </a:solidFill>
-                <a:latin typeface="华康少女文字W5(P)" pitchFamily="82" charset="-122"/>
-                <a:ea typeface="华康少女文字W5(P)" pitchFamily="82" charset="-122"/>
+                <a:latin typeface="等线" pitchFamily="2" charset="-122"/>
+                <a:ea typeface="等线" pitchFamily="2" charset="-122"/>
               </a:rPr>
               <a:t>~</a:t>
             </a:r>
@@ -3270,8 +3270,8 @@
               <a:solidFill>
                 <a:srgbClr val="00B0F0"/>
               </a:solidFill>
-              <a:latin typeface="华康少女文字W5(P)" pitchFamily="82" charset="-122"/>
-              <a:ea typeface="华康少女文字W5(P)" pitchFamily="82" charset="-122"/>
+              <a:latin typeface="等线" pitchFamily="2" charset="-122"/>
+              <a:ea typeface="等线" pitchFamily="2" charset="-122"/>
             </a:endParaRPr>
           </a:p>
         </p:txBody>
@@ -3303,7 +3303,7 @@
                 <a:latin typeface="汉仪旗黑-50S" pitchFamily="18" charset="-122"/>
                 <a:ea typeface="汉仪旗黑-50S" pitchFamily="18" charset="-122"/>
               </a:rPr>
-              <a:t>主页</a:t>
+              <a:t>个人主页</a:t>
             </a:r>
             <a:endParaRPr lang="zh-CN" altLang="en-US" dirty="0">
               <a:latin typeface="汉仪旗黑-50S" pitchFamily="18" charset="-122"/>
@@ -3544,13 +3544,13 @@
       </p:sp>
       <p:sp>
         <p:nvSpPr>
-          <p:cNvPr id="13" name="TextBox 12"/>
+          <p:cNvPr id="16" name="TextBox 15"/>
           <p:cNvSpPr txBox="1"/>
           <p:nvPr/>
         </p:nvSpPr>
         <p:spPr>
           <a:xfrm>
-            <a:off x="5899708" y="2645611"/>
+            <a:off x="5850249" y="2645611"/>
             <a:ext cx="2304256" cy="369332"/>
           </a:xfrm>
           <a:prstGeom prst="rect">
@@ -3565,11 +3565,11 @@
           <a:lstStyle/>
           <a:p>
             <a:r>
-              <a:rPr lang="en-US" altLang="zh-CN" dirty="0" smtClean="0">
+              <a:rPr lang="zh-CN" altLang="en-US" dirty="0" smtClean="0">
                 <a:latin typeface="汉仪旗黑-50S" pitchFamily="18" charset="-122"/>
                 <a:ea typeface="汉仪旗黑-50S" pitchFamily="18" charset="-122"/>
               </a:rPr>
-              <a:t>Music</a:t>
+              <a:t>编程工具</a:t>
             </a:r>
             <a:endParaRPr lang="zh-CN" altLang="en-US" dirty="0">
               <a:latin typeface="汉仪旗黑-50S" pitchFamily="18" charset="-122"/>
@@ -3580,14 +3580,14 @@
       </p:sp>
       <p:sp>
         <p:nvSpPr>
-          <p:cNvPr id="15" name="矩形 14"/>
+          <p:cNvPr id="17" name="矩形 16"/>
           <p:cNvSpPr/>
           <p:nvPr/>
         </p:nvSpPr>
         <p:spPr>
           <a:xfrm>
-            <a:off x="5899708" y="2999324"/>
-            <a:ext cx="2992772" cy="357668"/>
+            <a:off x="5850232" y="3020955"/>
+            <a:ext cx="1458072" cy="330025"/>
           </a:xfrm>
           <a:prstGeom prst="rect">
             <a:avLst/>
@@ -3626,23 +3626,15 @@
           <a:bodyPr rtlCol="0" anchor="ctr"/>
           <a:lstStyle/>
           <a:p>
-            <a:r>
-              <a:rPr lang="en-US" altLang="zh-CN" dirty="0" err="1" smtClean="0">
+            <a:pPr algn="ctr"/>
+            <a:r>
+              <a:rPr lang="en-US" altLang="zh-CN" dirty="0" smtClean="0">
                 <a:solidFill>
                   <a:srgbClr val="00B0F0"/>
                 </a:solidFill>
                 <a:latin typeface="Google Sans" pitchFamily="34" charset="0"/>
               </a:rPr>
-              <a:t>Netease</a:t>
-            </a:r>
-            <a:r>
-              <a:rPr lang="en-US" altLang="zh-CN" dirty="0" smtClean="0">
-                <a:solidFill>
-                  <a:srgbClr val="00B0F0"/>
-                </a:solidFill>
-                <a:latin typeface="Google Sans" pitchFamily="34" charset="0"/>
-              </a:rPr>
-              <a:t> Cloud Music</a:t>
+              <a:t>Notepad++</a:t>
             </a:r>
             <a:endParaRPr lang="zh-CN" altLang="en-US" dirty="0">
               <a:solidFill>
@@ -3655,50 +3647,14 @@
       </p:sp>
       <p:sp>
         <p:nvSpPr>
-          <p:cNvPr id="16" name="TextBox 15"/>
-          <p:cNvSpPr txBox="1"/>
+          <p:cNvPr id="18" name="矩形 17"/>
+          <p:cNvSpPr/>
           <p:nvPr/>
         </p:nvSpPr>
         <p:spPr>
           <a:xfrm>
-            <a:off x="3347864" y="3517109"/>
-            <a:ext cx="2304256" cy="369332"/>
-          </a:xfrm>
-          <a:prstGeom prst="rect">
-            <a:avLst/>
-          </a:prstGeom>
-          <a:noFill/>
-        </p:spPr>
-        <p:txBody>
-          <a:bodyPr wrap="square" rtlCol="0">
-            <a:spAutoFit/>
-          </a:bodyPr>
-          <a:lstStyle/>
-          <a:p>
-            <a:r>
-              <a:rPr lang="zh-CN" altLang="en-US" dirty="0" smtClean="0">
-                <a:latin typeface="汉仪旗黑-50S" pitchFamily="18" charset="-122"/>
-                <a:ea typeface="汉仪旗黑-50S" pitchFamily="18" charset="-122"/>
-              </a:rPr>
-              <a:t>编程工具</a:t>
-            </a:r>
-            <a:endParaRPr lang="zh-CN" altLang="en-US" dirty="0">
-              <a:latin typeface="汉仪旗黑-50S" pitchFamily="18" charset="-122"/>
-              <a:ea typeface="汉仪旗黑-50S" pitchFamily="18" charset="-122"/>
-            </a:endParaRPr>
-          </a:p>
-        </p:txBody>
-      </p:sp>
-      <p:sp>
-        <p:nvSpPr>
-          <p:cNvPr id="17" name="矩形 16"/>
-          <p:cNvSpPr/>
-          <p:nvPr/>
-        </p:nvSpPr>
-        <p:spPr>
-          <a:xfrm>
-            <a:off x="3347864" y="3930616"/>
-            <a:ext cx="1620000" cy="336037"/>
+            <a:off x="7406665" y="3014943"/>
+            <a:ext cx="1512320" cy="330025"/>
           </a:xfrm>
           <a:prstGeom prst="rect">
             <a:avLst/>
@@ -3745,27 +3701,57 @@
                 </a:solidFill>
                 <a:latin typeface="Google Sans" pitchFamily="34" charset="0"/>
               </a:rPr>
-              <a:t>Notepad++</a:t>
+              <a:t>Visual Studio</a:t>
+            </a:r>
+          </a:p>
+        </p:txBody>
+      </p:sp>
+      <p:sp>
+        <p:nvSpPr>
+          <p:cNvPr id="22" name="TextBox 21"/>
+          <p:cNvSpPr txBox="1"/>
+          <p:nvPr/>
+        </p:nvSpPr>
+        <p:spPr>
+          <a:xfrm>
+            <a:off x="3347864" y="3429000"/>
+            <a:ext cx="1116124" cy="369332"/>
+          </a:xfrm>
+          <a:prstGeom prst="rect">
+            <a:avLst/>
+          </a:prstGeom>
+          <a:noFill/>
+        </p:spPr>
+        <p:txBody>
+          <a:bodyPr wrap="square" rtlCol="0">
+            <a:spAutoFit/>
+          </a:bodyPr>
+          <a:lstStyle/>
+          <a:p>
+            <a:r>
+              <a:rPr lang="zh-CN" altLang="en-US" dirty="0" smtClean="0">
+                <a:latin typeface="汉仪旗黑-50S" pitchFamily="18" charset="-122"/>
+                <a:ea typeface="汉仪旗黑-50S" pitchFamily="18" charset="-122"/>
+              </a:rPr>
+              <a:t>生产环境</a:t>
             </a:r>
             <a:endParaRPr lang="zh-CN" altLang="en-US" dirty="0">
-              <a:solidFill>
-                <a:srgbClr val="00B0F0"/>
-              </a:solidFill>
-              <a:latin typeface="Google Sans" pitchFamily="34" charset="0"/>
+              <a:latin typeface="汉仪旗黑-50S" pitchFamily="18" charset="-122"/>
+              <a:ea typeface="汉仪旗黑-50S" pitchFamily="18" charset="-122"/>
             </a:endParaRPr>
           </a:p>
         </p:txBody>
       </p:sp>
       <p:sp>
         <p:nvSpPr>
-          <p:cNvPr id="18" name="矩形 17"/>
+          <p:cNvPr id="23" name="矩形 22"/>
           <p:cNvSpPr/>
           <p:nvPr/>
         </p:nvSpPr>
         <p:spPr>
           <a:xfrm>
-            <a:off x="5040266" y="3930616"/>
-            <a:ext cx="1619966" cy="336037"/>
+            <a:off x="3347864" y="3786718"/>
+            <a:ext cx="5544616" cy="336037"/>
           </a:xfrm>
           <a:prstGeom prst="rect">
             <a:avLst/>
@@ -3804,7 +3790,6 @@
           <a:bodyPr rtlCol="0" anchor="ctr"/>
           <a:lstStyle/>
           <a:p>
-            <a:pPr algn="ctr"/>
             <a:r>
               <a:rPr lang="en-US" altLang="zh-CN" dirty="0" smtClean="0">
                 <a:solidFill>
@@ -3812,20 +3797,290 @@
                 </a:solidFill>
                 <a:latin typeface="Google Sans" pitchFamily="34" charset="0"/>
               </a:rPr>
-              <a:t>Visual Studio</a:t>
-            </a:r>
-          </a:p>
-        </p:txBody>
-      </p:sp>
-      <p:sp>
-        <p:nvSpPr>
-          <p:cNvPr id="19" name="TextBox 18"/>
+              <a:t>Windows Embedded 8.1 Industry Enterprise (Main</a:t>
+            </a:r>
+            <a:r>
+              <a:rPr lang="en-US" altLang="zh-CN" dirty="0">
+                <a:solidFill>
+                  <a:srgbClr val="00B0F0"/>
+                </a:solidFill>
+                <a:latin typeface="Google Sans" pitchFamily="34" charset="0"/>
+              </a:rPr>
+              <a:t>)</a:t>
+            </a:r>
+            <a:endParaRPr lang="zh-CN" altLang="en-US" dirty="0">
+              <a:solidFill>
+                <a:srgbClr val="00B0F0"/>
+              </a:solidFill>
+              <a:latin typeface="Google Sans" pitchFamily="34" charset="0"/>
+            </a:endParaRPr>
+          </a:p>
+        </p:txBody>
+      </p:sp>
+      <p:sp>
+        <p:nvSpPr>
+          <p:cNvPr id="24" name="矩形 23"/>
+          <p:cNvSpPr/>
+          <p:nvPr/>
+        </p:nvSpPr>
+        <p:spPr>
+          <a:xfrm>
+            <a:off x="3356609" y="4174280"/>
+            <a:ext cx="2736000" cy="334840"/>
+          </a:xfrm>
+          <a:prstGeom prst="rect">
+            <a:avLst/>
+          </a:prstGeom>
+          <a:solidFill>
+            <a:schemeClr val="tx2">
+              <a:lumMod val="20000"/>
+              <a:lumOff val="80000"/>
+            </a:schemeClr>
+          </a:solidFill>
+          <a:ln>
+            <a:solidFill>
+              <a:schemeClr val="bg1">
+                <a:lumMod val="85000"/>
+              </a:schemeClr>
+            </a:solidFill>
+          </a:ln>
+        </p:spPr>
+        <p:style>
+          <a:lnRef idx="2">
+            <a:schemeClr val="accent1">
+              <a:shade val="50000"/>
+            </a:schemeClr>
+          </a:lnRef>
+          <a:fillRef idx="1">
+            <a:schemeClr val="accent1"/>
+          </a:fillRef>
+          <a:effectRef idx="0">
+            <a:schemeClr val="accent1"/>
+          </a:effectRef>
+          <a:fontRef idx="minor">
+            <a:schemeClr val="lt1"/>
+          </a:fontRef>
+        </p:style>
+        <p:txBody>
+          <a:bodyPr rtlCol="0" anchor="ctr"/>
+          <a:lstStyle/>
+          <a:p>
+            <a:r>
+              <a:rPr lang="en-US" altLang="zh-CN" dirty="0" smtClean="0">
+                <a:solidFill>
+                  <a:srgbClr val="00B0F0"/>
+                </a:solidFill>
+                <a:latin typeface="Google Sans" pitchFamily="34" charset="0"/>
+              </a:rPr>
+              <a:t>Windows </a:t>
+            </a:r>
+            <a:r>
+              <a:rPr lang="en-US" altLang="zh-CN" dirty="0" smtClean="0">
+                <a:solidFill>
+                  <a:srgbClr val="00B0F0"/>
+                </a:solidFill>
+                <a:latin typeface="Google Sans" pitchFamily="34" charset="0"/>
+              </a:rPr>
+              <a:t>10 LTSC 2019</a:t>
+            </a:r>
+            <a:endParaRPr lang="zh-CN" altLang="en-US" dirty="0">
+              <a:solidFill>
+                <a:srgbClr val="00B0F0"/>
+              </a:solidFill>
+              <a:latin typeface="Google Sans" pitchFamily="34" charset="0"/>
+            </a:endParaRPr>
+          </a:p>
+        </p:txBody>
+      </p:sp>
+      <p:sp>
+        <p:nvSpPr>
+          <p:cNvPr id="25" name="矩形 24"/>
+          <p:cNvSpPr/>
+          <p:nvPr/>
+        </p:nvSpPr>
+        <p:spPr>
+          <a:xfrm>
+            <a:off x="6156176" y="4174280"/>
+            <a:ext cx="2736000" cy="334840"/>
+          </a:xfrm>
+          <a:prstGeom prst="rect">
+            <a:avLst/>
+          </a:prstGeom>
+          <a:solidFill>
+            <a:schemeClr val="tx2">
+              <a:lumMod val="20000"/>
+              <a:lumOff val="80000"/>
+            </a:schemeClr>
+          </a:solidFill>
+          <a:ln>
+            <a:solidFill>
+              <a:schemeClr val="bg1">
+                <a:lumMod val="85000"/>
+              </a:schemeClr>
+            </a:solidFill>
+          </a:ln>
+        </p:spPr>
+        <p:style>
+          <a:lnRef idx="2">
+            <a:schemeClr val="accent1">
+              <a:shade val="50000"/>
+            </a:schemeClr>
+          </a:lnRef>
+          <a:fillRef idx="1">
+            <a:schemeClr val="accent1"/>
+          </a:fillRef>
+          <a:effectRef idx="0">
+            <a:schemeClr val="accent1"/>
+          </a:effectRef>
+          <a:fontRef idx="minor">
+            <a:schemeClr val="lt1"/>
+          </a:fontRef>
+        </p:style>
+        <p:txBody>
+          <a:bodyPr rtlCol="0" anchor="ctr"/>
+          <a:lstStyle/>
+          <a:p>
+            <a:r>
+              <a:rPr lang="en-US" altLang="zh-CN" dirty="0" smtClean="0">
+                <a:solidFill>
+                  <a:srgbClr val="00B0F0"/>
+                </a:solidFill>
+                <a:latin typeface="Google Sans" pitchFamily="34" charset="0"/>
+              </a:rPr>
+              <a:t>Android </a:t>
+            </a:r>
+            <a:r>
+              <a:rPr lang="en-US" altLang="zh-CN" dirty="0" smtClean="0">
+                <a:solidFill>
+                  <a:srgbClr val="00B0F0"/>
+                </a:solidFill>
+                <a:latin typeface="Google Sans" pitchFamily="34" charset="0"/>
+              </a:rPr>
+              <a:t>6.0.1 (</a:t>
+            </a:r>
+            <a:r>
+              <a:rPr lang="en-US" altLang="zh-CN" dirty="0" smtClean="0">
+                <a:solidFill>
+                  <a:srgbClr val="00B0F0"/>
+                </a:solidFill>
+                <a:latin typeface="Google Sans" pitchFamily="34" charset="0"/>
+              </a:rPr>
+              <a:t>AOSP)</a:t>
+            </a:r>
+            <a:endParaRPr lang="zh-CN" altLang="en-US" dirty="0">
+              <a:solidFill>
+                <a:srgbClr val="00B0F0"/>
+              </a:solidFill>
+              <a:latin typeface="Google Sans" pitchFamily="34" charset="0"/>
+            </a:endParaRPr>
+          </a:p>
+        </p:txBody>
+      </p:sp>
+      <p:sp>
+        <p:nvSpPr>
+          <p:cNvPr id="26" name="矩形 25"/>
+          <p:cNvSpPr/>
+          <p:nvPr/>
+        </p:nvSpPr>
+        <p:spPr>
+          <a:xfrm>
+            <a:off x="3359426" y="4581128"/>
+            <a:ext cx="2736000" cy="334840"/>
+          </a:xfrm>
+          <a:prstGeom prst="rect">
+            <a:avLst/>
+          </a:prstGeom>
+          <a:solidFill>
+            <a:schemeClr val="tx2">
+              <a:lumMod val="20000"/>
+              <a:lumOff val="80000"/>
+            </a:schemeClr>
+          </a:solidFill>
+          <a:ln>
+            <a:solidFill>
+              <a:schemeClr val="bg1">
+                <a:lumMod val="85000"/>
+              </a:schemeClr>
+            </a:solidFill>
+          </a:ln>
+        </p:spPr>
+        <p:style>
+          <a:lnRef idx="2">
+            <a:schemeClr val="accent1">
+              <a:shade val="50000"/>
+            </a:schemeClr>
+          </a:lnRef>
+          <a:fillRef idx="1">
+            <a:schemeClr val="accent1"/>
+          </a:fillRef>
+          <a:effectRef idx="0">
+            <a:schemeClr val="accent1"/>
+          </a:effectRef>
+          <a:fontRef idx="minor">
+            <a:schemeClr val="lt1"/>
+          </a:fontRef>
+        </p:style>
+        <p:txBody>
+          <a:bodyPr rtlCol="0" anchor="ctr"/>
+          <a:lstStyle/>
+          <a:p>
+            <a:r>
+              <a:rPr lang="en-US" altLang="zh-CN" dirty="0" smtClean="0">
+                <a:solidFill>
+                  <a:srgbClr val="00B0F0"/>
+                </a:solidFill>
+                <a:latin typeface="Google Sans" pitchFamily="34" charset="0"/>
+              </a:rPr>
+              <a:t>Ubuntu 16.04 LTS</a:t>
+            </a:r>
+            <a:endParaRPr lang="zh-CN" altLang="en-US" dirty="0">
+              <a:solidFill>
+                <a:srgbClr val="00B0F0"/>
+              </a:solidFill>
+              <a:latin typeface="Google Sans" pitchFamily="34" charset="0"/>
+            </a:endParaRPr>
+          </a:p>
+        </p:txBody>
+      </p:sp>
+      <p:pic>
+        <p:nvPicPr>
+          <p:cNvPr id="2" name="图片 1"/>
+          <p:cNvPicPr>
+            <a:picLocks noChangeAspect="1"/>
+          </p:cNvPicPr>
+          <p:nvPr/>
+        </p:nvPicPr>
+        <p:blipFill>
+          <a:blip r:embed="rId3">
+            <a:extLst>
+              <a:ext uri="{28A0092B-C50C-407E-A947-70E740481C1C}">
+                <a14:useLocalDpi xmlns:a14="http://schemas.microsoft.com/office/drawing/2010/main" val="0"/>
+              </a:ext>
+            </a:extLst>
+          </a:blip>
+          <a:stretch>
+            <a:fillRect/>
+          </a:stretch>
+        </p:blipFill>
+        <p:spPr>
+          <a:xfrm>
+            <a:off x="-36482" y="3861048"/>
+            <a:ext cx="3312308" cy="1093538"/>
+          </a:xfrm>
+          <a:prstGeom prst="rect">
+            <a:avLst/>
+          </a:prstGeom>
+        </p:spPr>
+      </p:pic>
+      <p:sp>
+        <p:nvSpPr>
+          <p:cNvPr id="27" name="TextBox 26"/>
           <p:cNvSpPr txBox="1"/>
           <p:nvPr/>
         </p:nvSpPr>
         <p:spPr>
           <a:xfrm>
-            <a:off x="3383868" y="4409820"/>
+            <a:off x="107504" y="5003884"/>
             <a:ext cx="1116124" cy="369332"/>
           </a:xfrm>
           <a:prstGeom prst="rect">
@@ -3855,13 +4110,88 @@
       </p:sp>
       <p:sp>
         <p:nvSpPr>
-          <p:cNvPr id="20" name="矩形 19"/>
+          <p:cNvPr id="28" name="矩形 27"/>
           <p:cNvSpPr/>
           <p:nvPr/>
         </p:nvSpPr>
         <p:spPr>
           <a:xfrm>
-            <a:off x="3347864" y="4798168"/>
+            <a:off x="123286" y="5396044"/>
+            <a:ext cx="2432490" cy="334841"/>
+          </a:xfrm>
+          <a:prstGeom prst="rect">
+            <a:avLst/>
+          </a:prstGeom>
+          <a:solidFill>
+            <a:schemeClr val="tx2">
+              <a:lumMod val="20000"/>
+              <a:lumOff val="80000"/>
+            </a:schemeClr>
+          </a:solidFill>
+          <a:ln>
+            <a:solidFill>
+              <a:schemeClr val="bg1">
+                <a:lumMod val="85000"/>
+              </a:schemeClr>
+            </a:solidFill>
+          </a:ln>
+        </p:spPr>
+        <p:style>
+          <a:lnRef idx="2">
+            <a:schemeClr val="accent1">
+              <a:shade val="50000"/>
+            </a:schemeClr>
+          </a:lnRef>
+          <a:fillRef idx="1">
+            <a:schemeClr val="accent1"/>
+          </a:fillRef>
+          <a:effectRef idx="0">
+            <a:schemeClr val="accent1"/>
+          </a:effectRef>
+          <a:fontRef idx="minor">
+            <a:schemeClr val="lt1"/>
+          </a:fontRef>
+        </p:style>
+        <p:txBody>
+          <a:bodyPr rtlCol="0" anchor="ctr"/>
+          <a:lstStyle/>
+          <a:p>
+            <a:r>
+              <a:rPr lang="en-US" altLang="zh-CN" dirty="0" err="1" smtClean="0">
+                <a:solidFill>
+                  <a:srgbClr val="00B0F0"/>
+                </a:solidFill>
+                <a:latin typeface="Google Sans" pitchFamily="34" charset="0"/>
+              </a:rPr>
+              <a:t>Netease</a:t>
+            </a:r>
+            <a:r>
+              <a:rPr lang="en-US" altLang="zh-CN" dirty="0" smtClean="0">
+                <a:solidFill>
+                  <a:srgbClr val="00B0F0"/>
+                </a:solidFill>
+                <a:latin typeface="Google Sans" pitchFamily="34" charset="0"/>
+              </a:rPr>
+              <a:t> Cloud Music</a:t>
+            </a:r>
+            <a:endParaRPr lang="zh-CN" altLang="en-US" dirty="0">
+              <a:solidFill>
+                <a:srgbClr val="00B0F0"/>
+              </a:solidFill>
+              <a:latin typeface="Google Sans" pitchFamily="34" charset="0"/>
+            </a:endParaRPr>
+          </a:p>
+        </p:txBody>
+      </p:sp>
+      <p:sp>
+        <p:nvSpPr>
+          <p:cNvPr id="29" name="矩形 28"/>
+          <p:cNvSpPr/>
+          <p:nvPr/>
+        </p:nvSpPr>
+        <p:spPr>
+          <a:xfrm>
+            <a:off x="2630004" y="5396045"/>
             <a:ext cx="2551844" cy="336037"/>
           </a:xfrm>
           <a:prstGeom prst="rect">
@@ -3921,14 +4251,14 @@
       </p:sp>
       <p:sp>
         <p:nvSpPr>
-          <p:cNvPr id="21" name="矩形 20"/>
+          <p:cNvPr id="30" name="矩形 29"/>
           <p:cNvSpPr/>
           <p:nvPr/>
         </p:nvSpPr>
         <p:spPr>
           <a:xfrm>
-            <a:off x="5955658" y="4799366"/>
-            <a:ext cx="2552400" cy="334840"/>
+            <a:off x="5220072" y="5399986"/>
+            <a:ext cx="2304104" cy="332095"/>
           </a:xfrm>
           <a:prstGeom prst="rect">
             <a:avLst/>
@@ -3987,50 +4317,14 @@
       </p:sp>
       <p:sp>
         <p:nvSpPr>
-          <p:cNvPr id="22" name="TextBox 21"/>
-          <p:cNvSpPr txBox="1"/>
+          <p:cNvPr id="31" name="矩形 30"/>
+          <p:cNvSpPr/>
           <p:nvPr/>
         </p:nvSpPr>
         <p:spPr>
           <a:xfrm>
-            <a:off x="3347864" y="5301208"/>
-            <a:ext cx="1116124" cy="369332"/>
-          </a:xfrm>
-          <a:prstGeom prst="rect">
-            <a:avLst/>
-          </a:prstGeom>
-          <a:noFill/>
-        </p:spPr>
-        <p:txBody>
-          <a:bodyPr wrap="square" rtlCol="0">
-            <a:spAutoFit/>
-          </a:bodyPr>
-          <a:lstStyle/>
-          <a:p>
-            <a:r>
-              <a:rPr lang="zh-CN" altLang="en-US" dirty="0" smtClean="0">
-                <a:latin typeface="汉仪旗黑-50S" pitchFamily="18" charset="-122"/>
-                <a:ea typeface="汉仪旗黑-50S" pitchFamily="18" charset="-122"/>
-              </a:rPr>
-              <a:t>环境</a:t>
-            </a:r>
-            <a:endParaRPr lang="zh-CN" altLang="en-US" dirty="0">
-              <a:latin typeface="汉仪旗黑-50S" pitchFamily="18" charset="-122"/>
-              <a:ea typeface="汉仪旗黑-50S" pitchFamily="18" charset="-122"/>
-            </a:endParaRPr>
-          </a:p>
-        </p:txBody>
-      </p:sp>
-      <p:sp>
-        <p:nvSpPr>
-          <p:cNvPr id="23" name="矩形 22"/>
-          <p:cNvSpPr/>
-          <p:nvPr/>
-        </p:nvSpPr>
-        <p:spPr>
-          <a:xfrm>
-            <a:off x="3347864" y="5658926"/>
-            <a:ext cx="5544616" cy="336037"/>
+            <a:off x="7586798" y="5399987"/>
+            <a:ext cx="1305377" cy="332095"/>
           </a:xfrm>
           <a:prstGeom prst="rect">
             <a:avLst/>
@@ -4076,16 +4370,7 @@
                 </a:solidFill>
                 <a:latin typeface="Google Sans" pitchFamily="34" charset="0"/>
               </a:rPr>
-              <a:t>Windows Embedded 8.1 Industry Enterprise (Main</a:t>
-            </a:r>
-            <a:r>
-              <a:rPr lang="en-US" altLang="zh-CN" dirty="0">
-                <a:solidFill>
-                  <a:srgbClr val="00B0F0"/>
-                </a:solidFill>
-                <a:latin typeface="Google Sans" pitchFamily="34" charset="0"/>
-              </a:rPr>
-              <a:t>)</a:t>
+              <a:t>EDIUS 6</a:t>
             </a:r>
             <a:endParaRPr lang="zh-CN" altLang="en-US" dirty="0">
               <a:solidFill>
@@ -4098,14 +4383,50 @@
       </p:sp>
       <p:sp>
         <p:nvSpPr>
-          <p:cNvPr id="24" name="矩形 23"/>
+          <p:cNvPr id="32" name="TextBox 31"/>
+          <p:cNvSpPr txBox="1"/>
+          <p:nvPr/>
+        </p:nvSpPr>
+        <p:spPr>
+          <a:xfrm>
+            <a:off x="107504" y="5805264"/>
+            <a:ext cx="1116124" cy="369332"/>
+          </a:xfrm>
+          <a:prstGeom prst="rect">
+            <a:avLst/>
+          </a:prstGeom>
+          <a:noFill/>
+        </p:spPr>
+        <p:txBody>
+          <a:bodyPr wrap="square" rtlCol="0">
+            <a:spAutoFit/>
+          </a:bodyPr>
+          <a:lstStyle/>
+          <a:p>
+            <a:r>
+              <a:rPr lang="zh-CN" altLang="en-US" dirty="0">
+                <a:latin typeface="汉仪旗黑-50S" pitchFamily="18" charset="-122"/>
+                <a:ea typeface="汉仪旗黑-50S" pitchFamily="18" charset="-122"/>
+              </a:rPr>
+              <a:t>办公</a:t>
+            </a:r>
+            <a:endParaRPr lang="zh-CN" altLang="en-US" dirty="0">
+              <a:latin typeface="汉仪旗黑-50S" pitchFamily="18" charset="-122"/>
+              <a:ea typeface="汉仪旗黑-50S" pitchFamily="18" charset="-122"/>
+            </a:endParaRPr>
+          </a:p>
+        </p:txBody>
+      </p:sp>
+      <p:sp>
+        <p:nvSpPr>
+          <p:cNvPr id="33" name="矩形 32"/>
           <p:cNvSpPr/>
           <p:nvPr/>
         </p:nvSpPr>
         <p:spPr>
           <a:xfrm>
-            <a:off x="3356609" y="6046488"/>
-            <a:ext cx="2736000" cy="334840"/>
+            <a:off x="107504" y="6170094"/>
+            <a:ext cx="3404954" cy="361335"/>
           </a:xfrm>
           <a:prstGeom prst="rect">
             <a:avLst/>
@@ -4151,7 +4472,7 @@
                 </a:solidFill>
                 <a:latin typeface="Google Sans" pitchFamily="34" charset="0"/>
               </a:rPr>
-              <a:t>Windows Server 2016</a:t>
+              <a:t>Microsoft Office 2010 Pro Plus</a:t>
             </a:r>
             <a:endParaRPr lang="zh-CN" altLang="en-US" dirty="0">
               <a:solidFill>
@@ -4164,14 +4485,14 @@
       </p:sp>
       <p:sp>
         <p:nvSpPr>
-          <p:cNvPr id="25" name="矩形 24"/>
+          <p:cNvPr id="34" name="矩形 33"/>
           <p:cNvSpPr/>
           <p:nvPr/>
         </p:nvSpPr>
         <p:spPr>
           <a:xfrm>
-            <a:off x="6156176" y="6046488"/>
-            <a:ext cx="2736000" cy="334840"/>
+            <a:off x="3621170" y="6170092"/>
+            <a:ext cx="3543117" cy="361337"/>
           </a:xfrm>
           <a:prstGeom prst="rect">
             <a:avLst/>
@@ -4217,7 +4538,7 @@
                 </a:solidFill>
                 <a:latin typeface="Google Sans" pitchFamily="34" charset="0"/>
               </a:rPr>
-              <a:t>Android 6.0.1(AOSP)</a:t>
+              <a:t>Microsoft Office 365(2019) Pro</a:t>
             </a:r>
             <a:endParaRPr lang="zh-CN" altLang="en-US" dirty="0">
               <a:solidFill>
@@ -4230,14 +4551,14 @@
       </p:sp>
       <p:sp>
         <p:nvSpPr>
-          <p:cNvPr id="26" name="矩形 25"/>
+          <p:cNvPr id="35" name="矩形 34"/>
           <p:cNvSpPr/>
           <p:nvPr/>
         </p:nvSpPr>
         <p:spPr>
           <a:xfrm>
-            <a:off x="3359426" y="6453336"/>
-            <a:ext cx="2736000" cy="334840"/>
+            <a:off x="7265583" y="6170092"/>
+            <a:ext cx="1610681" cy="330337"/>
           </a:xfrm>
           <a:prstGeom prst="rect">
             <a:avLst/>
@@ -4283,7 +4604,7 @@
                 </a:solidFill>
                 <a:latin typeface="Google Sans" pitchFamily="34" charset="0"/>
               </a:rPr>
-              <a:t>Ubuntu 16.04 LTS</a:t>
+              <a:t>WPS 2019 Pro</a:t>
             </a:r>
             <a:endParaRPr lang="zh-CN" altLang="en-US" dirty="0">
               <a:solidFill>
